--- a/Issac_work/Stocks_Project.pptx
+++ b/Issac_work/Stocks_Project.pptx
@@ -10,10 +10,10 @@
     <p:sldId id="262" r:id="rId4"/>
     <p:sldId id="265" r:id="rId5"/>
     <p:sldId id="257" r:id="rId6"/>
-    <p:sldId id="268" r:id="rId7"/>
-    <p:sldId id="259" r:id="rId8"/>
-    <p:sldId id="269" r:id="rId9"/>
-    <p:sldId id="267" r:id="rId10"/>
+    <p:sldId id="267" r:id="rId7"/>
+    <p:sldId id="268" r:id="rId8"/>
+    <p:sldId id="259" r:id="rId9"/>
+    <p:sldId id="269" r:id="rId10"/>
     <p:sldId id="258" r:id="rId11"/>
     <p:sldId id="260" r:id="rId12"/>
   </p:sldIdLst>
@@ -6895,14 +6895,6 @@
 <file path=ppt/slides/slide6.xml><?xml version="1.0" encoding="utf-8"?>
 <p:sld xmlns:a="http://schemas.openxmlformats.org/drawingml/2006/main" xmlns:r="http://schemas.openxmlformats.org/officeDocument/2006/relationships" xmlns:p="http://schemas.openxmlformats.org/presentationml/2006/main">
   <p:cSld>
-    <p:bg>
-      <p:bgPr>
-        <a:solidFill>
-          <a:schemeClr val="bg1"/>
-        </a:solidFill>
-        <a:effectLst/>
-      </p:bgPr>
-    </p:bg>
     <p:spTree>
       <p:nvGrpSpPr>
         <p:cNvPr id="1" name=""/>
@@ -6917,281 +6909,176 @@
           <a:chExt cx="0" cy="0"/>
         </a:xfrm>
       </p:grpSpPr>
-      <p:pic>
-        <p:nvPicPr>
-          <p:cNvPr id="9" name="Picture 8">
+      <p:sp>
+        <p:nvSpPr>
+          <p:cNvPr id="2" name="Title 1">
             <a:extLst>
               <a:ext uri="{FF2B5EF4-FFF2-40B4-BE49-F238E27FC236}">
-                <a16:creationId xmlns:a16="http://schemas.microsoft.com/office/drawing/2014/main" id="{BDFADFB3-3D44-49A8-AE3B-A87C61607F7E}"/>
-              </a:ext>
-              <a:ext uri="{C183D7F6-B498-43B3-948B-1728B52AA6E4}">
-                <adec:decorative xmlns:adec="http://schemas.microsoft.com/office/drawing/2017/decorative" val="1"/>
+                <a16:creationId xmlns:a16="http://schemas.microsoft.com/office/drawing/2014/main" id="{C2ECB804-C1B3-4092-AF01-03ABD749D2E5}"/>
               </a:ext>
             </a:extLst>
           </p:cNvPr>
-          <p:cNvPicPr>
-            <a:picLocks noGrp="1" noRot="1" noChangeAspect="1" noMove="1" noResize="1" noEditPoints="1" noAdjustHandles="1" noChangeArrowheads="1" noChangeShapeType="1" noCrop="1"/>
-          </p:cNvPicPr>
-          <p:nvPr>
-            <p:extLst>
-              <p:ext uri="{386F3935-93C4-4BCD-93E2-E3B085C9AB24}">
-                <p16:designElem xmlns:p16="http://schemas.microsoft.com/office/powerpoint/2015/main" val="1"/>
-              </p:ext>
-            </p:extLst>
-          </p:nvPr>
-        </p:nvPicPr>
-        <p:blipFill>
-          <a:blip r:embed="rId2">
-            <a:extLst>
-              <a:ext uri="{28A0092B-C50C-407E-A947-70E740481C1C}">
-                <a14:useLocalDpi xmlns:a14="http://schemas.microsoft.com/office/drawing/2010/main" val="0"/>
-              </a:ext>
-            </a:extLst>
-          </a:blip>
-          <a:stretch>
-            <a:fillRect/>
-          </a:stretch>
-        </p:blipFill>
-        <p:spPr>
-          <a:xfrm>
-            <a:off x="0" y="0"/>
-            <a:ext cx="12192000" cy="1441450"/>
-          </a:xfrm>
-          <a:prstGeom prst="rect">
-            <a:avLst/>
-          </a:prstGeom>
-        </p:spPr>
-      </p:pic>
-      <p:pic>
-        <p:nvPicPr>
-          <p:cNvPr id="11" name="Picture 10">
+          <p:cNvSpPr>
+            <a:spLocks noGrp="1"/>
+          </p:cNvSpPr>
+          <p:nvPr>
+            <p:ph type="title"/>
+          </p:nvPr>
+        </p:nvSpPr>
+        <p:spPr/>
+        <p:txBody>
+          <a:bodyPr/>
+          <a:lstStyle/>
+          <a:p>
+            <a:r>
+              <a:rPr lang="en-US" dirty="0"/>
+              <a:t>Data Preparation</a:t>
+            </a:r>
+          </a:p>
+        </p:txBody>
+      </p:sp>
+      <p:sp>
+        <p:nvSpPr>
+          <p:cNvPr id="3" name="Content Placeholder 2">
             <a:extLst>
               <a:ext uri="{FF2B5EF4-FFF2-40B4-BE49-F238E27FC236}">
-                <a16:creationId xmlns:a16="http://schemas.microsoft.com/office/drawing/2014/main" id="{BB912AE0-CAD9-4F8F-A2A2-BDF07D4EDD22}"/>
-              </a:ext>
-              <a:ext uri="{C183D7F6-B498-43B3-948B-1728B52AA6E4}">
-                <adec:decorative xmlns:adec="http://schemas.microsoft.com/office/drawing/2017/decorative" val="1"/>
+                <a16:creationId xmlns:a16="http://schemas.microsoft.com/office/drawing/2014/main" id="{5BAF54DC-3677-4C6E-95F3-748B0B2F85D4}"/>
               </a:ext>
             </a:extLst>
           </p:cNvPr>
-          <p:cNvPicPr>
-            <a:picLocks noGrp="1" noRot="1" noChangeAspect="1" noMove="1" noResize="1" noEditPoints="1" noAdjustHandles="1" noChangeArrowheads="1" noChangeShapeType="1" noCrop="1"/>
-          </p:cNvPicPr>
-          <p:nvPr>
-            <p:extLst>
-              <p:ext uri="{386F3935-93C4-4BCD-93E2-E3B085C9AB24}">
-                <p16:designElem xmlns:p16="http://schemas.microsoft.com/office/powerpoint/2015/main" val="1"/>
-              </p:ext>
-            </p:extLst>
-          </p:nvPr>
-        </p:nvPicPr>
-        <p:blipFill>
-          <a:blip r:embed="rId3">
-            <a:extLst>
-              <a:ext uri="{28A0092B-C50C-407E-A947-70E740481C1C}">
-                <a14:useLocalDpi xmlns:a14="http://schemas.microsoft.com/office/drawing/2010/main" val="0"/>
-              </a:ext>
-            </a:extLst>
-          </a:blip>
-          <a:stretch>
-            <a:fillRect/>
-          </a:stretch>
-        </p:blipFill>
-        <p:spPr>
-          <a:xfrm>
-            <a:off x="0" y="4375150"/>
-            <a:ext cx="12192000" cy="2482850"/>
-          </a:xfrm>
-          <a:prstGeom prst="rect">
-            <a:avLst/>
-          </a:prstGeom>
-        </p:spPr>
-      </p:pic>
-      <p:sp useBgFill="1">
-        <p:nvSpPr>
-          <p:cNvPr id="13" name="Rectangle 12">
-            <a:extLst>
-              <a:ext uri="{FF2B5EF4-FFF2-40B4-BE49-F238E27FC236}">
-                <a16:creationId xmlns:a16="http://schemas.microsoft.com/office/drawing/2014/main" id="{BD7C2DEF-63C5-495B-BBE5-720E5D12B4D2}"/>
-              </a:ext>
-              <a:ext uri="{C183D7F6-B498-43B3-948B-1728B52AA6E4}">
-                <adec:decorative xmlns:adec="http://schemas.microsoft.com/office/drawing/2017/decorative" val="1"/>
-              </a:ext>
-            </a:extLst>
-          </p:cNvPr>
-          <p:cNvSpPr>
-            <a:spLocks noGrp="1" noRot="1" noChangeAspect="1" noMove="1" noResize="1" noEditPoints="1" noAdjustHandles="1" noChangeArrowheads="1" noChangeShapeType="1" noTextEdit="1"/>
-          </p:cNvSpPr>
-          <p:nvPr>
-            <p:extLst>
-              <p:ext uri="{386F3935-93C4-4BCD-93E2-E3B085C9AB24}">
-                <p16:designElem xmlns:p16="http://schemas.microsoft.com/office/powerpoint/2015/main" val="1"/>
-              </p:ext>
-            </p:extLst>
-          </p:nvPr>
-        </p:nvSpPr>
-        <p:spPr>
-          <a:xfrm>
-            <a:off x="0" y="0"/>
-            <a:ext cx="12192000" cy="6858000"/>
-          </a:xfrm>
-          <a:prstGeom prst="rect">
-            <a:avLst/>
-          </a:prstGeom>
-          <a:ln>
-            <a:noFill/>
-          </a:ln>
-        </p:spPr>
-        <p:style>
-          <a:lnRef idx="2">
-            <a:schemeClr val="accent1">
-              <a:shade val="50000"/>
-            </a:schemeClr>
-          </a:lnRef>
-          <a:fillRef idx="1">
-            <a:schemeClr val="accent1"/>
-          </a:fillRef>
-          <a:effectRef idx="0">
-            <a:schemeClr val="accent1"/>
-          </a:effectRef>
-          <a:fontRef idx="minor">
-            <a:schemeClr val="lt1"/>
-          </a:fontRef>
-        </p:style>
-        <p:txBody>
-          <a:bodyPr rtlCol="0" anchor="ctr"/>
-          <a:lstStyle/>
-          <a:p>
-            <a:pPr algn="ctr"/>
-            <a:endParaRPr lang="en-US"/>
-          </a:p>
-        </p:txBody>
-      </p:sp>
-      <p:pic>
-        <p:nvPicPr>
-          <p:cNvPr id="15" name="Picture 14">
-            <a:extLst>
-              <a:ext uri="{FF2B5EF4-FFF2-40B4-BE49-F238E27FC236}">
-                <a16:creationId xmlns:a16="http://schemas.microsoft.com/office/drawing/2014/main" id="{FE21E403-0B61-4473-BE57-AB0F16379674}"/>
-              </a:ext>
-              <a:ext uri="{C183D7F6-B498-43B3-948B-1728B52AA6E4}">
-                <adec:decorative xmlns:adec="http://schemas.microsoft.com/office/drawing/2017/decorative" val="1"/>
-              </a:ext>
-            </a:extLst>
-          </p:cNvPr>
-          <p:cNvPicPr>
-            <a:picLocks noGrp="1" noRot="1" noChangeAspect="1" noMove="1" noResize="1" noEditPoints="1" noAdjustHandles="1" noChangeArrowheads="1" noChangeShapeType="1" noCrop="1"/>
-          </p:cNvPicPr>
-          <p:nvPr>
-            <p:extLst>
-              <p:ext uri="{386F3935-93C4-4BCD-93E2-E3B085C9AB24}">
-                <p16:designElem xmlns:p16="http://schemas.microsoft.com/office/powerpoint/2015/main" val="1"/>
-              </p:ext>
-            </p:extLst>
-          </p:nvPr>
-        </p:nvPicPr>
-        <p:blipFill>
-          <a:blip r:embed="rId2">
-            <a:extLst>
-              <a:ext uri="{28A0092B-C50C-407E-A947-70E740481C1C}">
-                <a14:useLocalDpi xmlns:a14="http://schemas.microsoft.com/office/drawing/2010/main" val="0"/>
-              </a:ext>
-            </a:extLst>
-          </a:blip>
-          <a:stretch>
-            <a:fillRect/>
-          </a:stretch>
-        </p:blipFill>
-        <p:spPr>
-          <a:xfrm>
-            <a:off x="0" y="0"/>
-            <a:ext cx="12192000" cy="1441450"/>
-          </a:xfrm>
-          <a:prstGeom prst="rect">
-            <a:avLst/>
-          </a:prstGeom>
-        </p:spPr>
-      </p:pic>
-      <p:sp>
-        <p:nvSpPr>
-          <p:cNvPr id="2" name="Title 1">
-            <a:extLst>
-              <a:ext uri="{FF2B5EF4-FFF2-40B4-BE49-F238E27FC236}">
-                <a16:creationId xmlns:a16="http://schemas.microsoft.com/office/drawing/2014/main" id="{ECA2EA4D-D321-4E5D-B694-3396A1108E5E}"/>
-              </a:ext>
-            </a:extLst>
-          </p:cNvPr>
-          <p:cNvSpPr>
-            <a:spLocks noGrp="1"/>
-          </p:cNvSpPr>
-          <p:nvPr>
-            <p:ph type="title"/>
-          </p:nvPr>
-        </p:nvSpPr>
-        <p:spPr>
-          <a:xfrm>
-            <a:off x="636696" y="643464"/>
-            <a:ext cx="3761964" cy="3273061"/>
-          </a:xfrm>
-          <a:noFill/>
-          <a:ln w="19050">
-            <a:noFill/>
-            <a:prstDash val="dash"/>
-          </a:ln>
-        </p:spPr>
-        <p:txBody>
-          <a:bodyPr vert="horz" lIns="91440" tIns="45720" rIns="91440" bIns="45720" rtlCol="0" anchor="b">
-            <a:normAutofit/>
+          <p:cNvSpPr>
+            <a:spLocks noGrp="1"/>
+          </p:cNvSpPr>
+          <p:nvPr>
+            <p:ph idx="1"/>
+          </p:nvPr>
+        </p:nvSpPr>
+        <p:spPr/>
+        <p:txBody>
+          <a:bodyPr>
+            <a:normAutofit fontScale="25000" lnSpcReduction="20000"/>
           </a:bodyPr>
           <a:lstStyle/>
           <a:p>
-            <a:r>
-              <a:rPr lang="en-US" sz="4800"/>
-              <a:t>Machine Learning – Model Prediction</a:t>
-            </a:r>
-          </a:p>
-        </p:txBody>
-      </p:sp>
-      <p:pic>
-        <p:nvPicPr>
-          <p:cNvPr id="4" name="Picture 3" descr="A close up of text on a white surface&#10;&#10;Description automatically generated">
-            <a:extLst>
-              <a:ext uri="{FF2B5EF4-FFF2-40B4-BE49-F238E27FC236}">
-                <a16:creationId xmlns:a16="http://schemas.microsoft.com/office/drawing/2014/main" id="{9BBBCE8E-819B-48D2-A19F-136B4997B65F}"/>
-              </a:ext>
-            </a:extLst>
-          </p:cNvPr>
-          <p:cNvPicPr>
-            <a:picLocks noChangeAspect="1"/>
-          </p:cNvPicPr>
-          <p:nvPr/>
-        </p:nvPicPr>
-        <p:blipFill>
-          <a:blip r:embed="rId4">
-            <a:extLst>
-              <a:ext uri="{28A0092B-C50C-407E-A947-70E740481C1C}">
-                <a14:useLocalDpi xmlns:a14="http://schemas.microsoft.com/office/drawing/2010/main" val="0"/>
-              </a:ext>
-            </a:extLst>
-          </a:blip>
-          <a:stretch>
-            <a:fillRect/>
-          </a:stretch>
-        </p:blipFill>
-        <p:spPr>
-          <a:xfrm>
-            <a:off x="5584491" y="941122"/>
-            <a:ext cx="5102260" cy="5115048"/>
-          </a:xfrm>
-          <a:prstGeom prst="rect">
-            <a:avLst/>
-          </a:prstGeom>
-        </p:spPr>
-      </p:pic>
+            <a:pPr>
+              <a:lnSpc>
+                <a:spcPct val="110000"/>
+              </a:lnSpc>
+            </a:pPr>
+            <a:r>
+              <a:rPr lang="en-US" altLang="en-US" sz="6400" dirty="0"/>
+              <a:t>Remove Columns with Many Missing Values</a:t>
+            </a:r>
+          </a:p>
+          <a:p>
+            <a:pPr>
+              <a:lnSpc>
+                <a:spcPct val="110000"/>
+              </a:lnSpc>
+            </a:pPr>
+            <a:r>
+              <a:rPr lang="en-US" altLang="en-US" sz="6400" dirty="0"/>
+              <a:t>Correlation between Features and Target</a:t>
+            </a:r>
+          </a:p>
+          <a:p>
+            <a:pPr>
+              <a:lnSpc>
+                <a:spcPct val="110000"/>
+              </a:lnSpc>
+            </a:pPr>
+            <a:r>
+              <a:rPr lang="en-US" altLang="en-US" sz="6400" dirty="0"/>
+              <a:t>To account for possible non-linear relationships, I now take the square root and natural log transformations of the features and then calculate the correlation coefficients with the 2019 price performance and Remove Collinear Features # Remove the collinear features above a specified correlation coefficient</a:t>
+            </a:r>
+            <a:br>
+              <a:rPr lang="en-US" altLang="en-US" sz="6400" dirty="0"/>
+            </a:br>
+            <a:r>
+              <a:rPr lang="en-US" altLang="en-US" sz="6400" dirty="0"/>
+              <a:t>df_3 = remove_collinear_features(df_2, 0.6)</a:t>
+            </a:r>
+          </a:p>
+          <a:p>
+            <a:pPr>
+              <a:lnSpc>
+                <a:spcPct val="110000"/>
+              </a:lnSpc>
+            </a:pPr>
+            <a:r>
+              <a:rPr lang="en-US" altLang="en-US" sz="6400" dirty="0"/>
+              <a:t>Separate out the features x and targets y</a:t>
+            </a:r>
+          </a:p>
+          <a:p>
+            <a:pPr>
+              <a:lnSpc>
+                <a:spcPct val="110000"/>
+              </a:lnSpc>
+            </a:pPr>
+            <a:r>
+              <a:rPr lang="en-US" altLang="en-US" sz="6400" dirty="0"/>
+              <a:t>imputer = </a:t>
+            </a:r>
+            <a:r>
+              <a:rPr lang="en-US" altLang="en-US" sz="6400" dirty="0" err="1"/>
+              <a:t>SimpleImputer</a:t>
+            </a:r>
+            <a:r>
+              <a:rPr lang="en-US" altLang="en-US" sz="6400" dirty="0"/>
+              <a:t>(strategy='median’)</a:t>
+            </a:r>
+          </a:p>
+          <a:p>
+            <a:pPr>
+              <a:lnSpc>
+                <a:spcPct val="110000"/>
+              </a:lnSpc>
+            </a:pPr>
+            <a:r>
+              <a:rPr lang="en-US" altLang="en-US" sz="6400" dirty="0"/>
+              <a:t>Split into Train and test</a:t>
+            </a:r>
+          </a:p>
+          <a:p>
+            <a:pPr>
+              <a:lnSpc>
+                <a:spcPct val="110000"/>
+              </a:lnSpc>
+            </a:pPr>
+            <a:r>
+              <a:rPr lang="en-US" altLang="en-US" sz="6400" dirty="0"/>
+              <a:t>Scaled it using </a:t>
+            </a:r>
+            <a:r>
+              <a:rPr lang="en-US" altLang="en-US" sz="6400" dirty="0" err="1"/>
+              <a:t>MinMax</a:t>
+            </a:r>
+            <a:r>
+              <a:rPr lang="en-US" altLang="en-US" sz="6400" dirty="0"/>
+              <a:t> Scaler.</a:t>
+            </a:r>
+          </a:p>
+          <a:p>
+            <a:pPr>
+              <a:lnSpc>
+                <a:spcPct val="110000"/>
+              </a:lnSpc>
+            </a:pPr>
+            <a:r>
+              <a:rPr lang="en-US" altLang="en-US" sz="6400" dirty="0"/>
+              <a:t>Fit the model</a:t>
+            </a:r>
+          </a:p>
+          <a:p>
+            <a:endParaRPr lang="en-US" dirty="0"/>
+          </a:p>
+        </p:txBody>
+      </p:sp>
     </p:spTree>
     <p:extLst>
       <p:ext uri="{BB962C8B-B14F-4D97-AF65-F5344CB8AC3E}">
-        <p14:creationId xmlns:p14="http://schemas.microsoft.com/office/powerpoint/2010/main" val="3151949496"/>
+        <p14:creationId xmlns:p14="http://schemas.microsoft.com/office/powerpoint/2010/main" val="2435572908"/>
       </p:ext>
     </p:extLst>
   </p:cSld>
@@ -7202,105 +7089,6 @@
 </file>
 
 <file path=ppt/slides/slide7.xml><?xml version="1.0" encoding="utf-8"?>
-<p:sld xmlns:a="http://schemas.openxmlformats.org/drawingml/2006/main" xmlns:r="http://schemas.openxmlformats.org/officeDocument/2006/relationships" xmlns:p="http://schemas.openxmlformats.org/presentationml/2006/main">
-  <p:cSld>
-    <p:spTree>
-      <p:nvGrpSpPr>
-        <p:cNvPr id="1" name=""/>
-        <p:cNvGrpSpPr/>
-        <p:nvPr/>
-      </p:nvGrpSpPr>
-      <p:grpSpPr>
-        <a:xfrm>
-          <a:off x="0" y="0"/>
-          <a:ext cx="0" cy="0"/>
-          <a:chOff x="0" y="0"/>
-          <a:chExt cx="0" cy="0"/>
-        </a:xfrm>
-      </p:grpSpPr>
-      <p:sp>
-        <p:nvSpPr>
-          <p:cNvPr id="2" name="Title 1">
-            <a:extLst>
-              <a:ext uri="{FF2B5EF4-FFF2-40B4-BE49-F238E27FC236}">
-                <a16:creationId xmlns:a16="http://schemas.microsoft.com/office/drawing/2014/main" id="{ECA2EA4D-D321-4E5D-B694-3396A1108E5E}"/>
-              </a:ext>
-            </a:extLst>
-          </p:cNvPr>
-          <p:cNvSpPr>
-            <a:spLocks noGrp="1"/>
-          </p:cNvSpPr>
-          <p:nvPr>
-            <p:ph type="title"/>
-          </p:nvPr>
-        </p:nvSpPr>
-        <p:spPr>
-          <a:xfrm>
-            <a:off x="774441" y="764373"/>
-            <a:ext cx="10731759" cy="1293028"/>
-          </a:xfrm>
-        </p:spPr>
-        <p:txBody>
-          <a:bodyPr/>
-          <a:lstStyle/>
-          <a:p>
-            <a:r>
-              <a:rPr lang="en-US" dirty="0"/>
-              <a:t>Machine Learning – Model Prediction</a:t>
-            </a:r>
-          </a:p>
-        </p:txBody>
-      </p:sp>
-      <p:pic>
-        <p:nvPicPr>
-          <p:cNvPr id="5" name="Picture 4" descr="A screenshot of a cell phone&#10;&#10;Description automatically generated">
-            <a:extLst>
-              <a:ext uri="{FF2B5EF4-FFF2-40B4-BE49-F238E27FC236}">
-                <a16:creationId xmlns:a16="http://schemas.microsoft.com/office/drawing/2014/main" id="{49936DE3-71D6-46ED-8ECC-12109E03F78B}"/>
-              </a:ext>
-            </a:extLst>
-          </p:cNvPr>
-          <p:cNvPicPr>
-            <a:picLocks noChangeAspect="1"/>
-          </p:cNvPicPr>
-          <p:nvPr/>
-        </p:nvPicPr>
-        <p:blipFill>
-          <a:blip r:embed="rId2">
-            <a:extLst>
-              <a:ext uri="{28A0092B-C50C-407E-A947-70E740481C1C}">
-                <a14:useLocalDpi xmlns:a14="http://schemas.microsoft.com/office/drawing/2010/main" val="0"/>
-              </a:ext>
-            </a:extLst>
-          </a:blip>
-          <a:stretch>
-            <a:fillRect/>
-          </a:stretch>
-        </p:blipFill>
-        <p:spPr>
-          <a:xfrm>
-            <a:off x="1470565" y="1780635"/>
-            <a:ext cx="8641187" cy="4853429"/>
-          </a:xfrm>
-          <a:prstGeom prst="rect">
-            <a:avLst/>
-          </a:prstGeom>
-        </p:spPr>
-      </p:pic>
-    </p:spTree>
-    <p:extLst>
-      <p:ext uri="{BB962C8B-B14F-4D97-AF65-F5344CB8AC3E}">
-        <p14:creationId xmlns:p14="http://schemas.microsoft.com/office/powerpoint/2010/main" val="3769846257"/>
-      </p:ext>
-    </p:extLst>
-  </p:cSld>
-  <p:clrMapOvr>
-    <a:masterClrMapping/>
-  </p:clrMapOvr>
-</p:sld>
-</file>
-
-<file path=ppt/slides/slide8.xml><?xml version="1.0" encoding="utf-8"?>
 <p:sld xmlns:a="http://schemas.openxmlformats.org/drawingml/2006/main" xmlns:r="http://schemas.openxmlformats.org/officeDocument/2006/relationships" xmlns:p="http://schemas.openxmlformats.org/presentationml/2006/main">
   <p:cSld>
     <p:bg>
@@ -7562,6 +7350,414 @@
       </p:sp>
       <p:pic>
         <p:nvPicPr>
+          <p:cNvPr id="4" name="Picture 3" descr="A close up of text on a white surface&#10;&#10;Description automatically generated">
+            <a:extLst>
+              <a:ext uri="{FF2B5EF4-FFF2-40B4-BE49-F238E27FC236}">
+                <a16:creationId xmlns:a16="http://schemas.microsoft.com/office/drawing/2014/main" id="{9BBBCE8E-819B-48D2-A19F-136B4997B65F}"/>
+              </a:ext>
+            </a:extLst>
+          </p:cNvPr>
+          <p:cNvPicPr>
+            <a:picLocks noChangeAspect="1"/>
+          </p:cNvPicPr>
+          <p:nvPr/>
+        </p:nvPicPr>
+        <p:blipFill>
+          <a:blip r:embed="rId4">
+            <a:extLst>
+              <a:ext uri="{28A0092B-C50C-407E-A947-70E740481C1C}">
+                <a14:useLocalDpi xmlns:a14="http://schemas.microsoft.com/office/drawing/2010/main" val="0"/>
+              </a:ext>
+            </a:extLst>
+          </a:blip>
+          <a:stretch>
+            <a:fillRect/>
+          </a:stretch>
+        </p:blipFill>
+        <p:spPr>
+          <a:xfrm>
+            <a:off x="5584491" y="941122"/>
+            <a:ext cx="5102260" cy="5115048"/>
+          </a:xfrm>
+          <a:prstGeom prst="rect">
+            <a:avLst/>
+          </a:prstGeom>
+        </p:spPr>
+      </p:pic>
+    </p:spTree>
+    <p:extLst>
+      <p:ext uri="{BB962C8B-B14F-4D97-AF65-F5344CB8AC3E}">
+        <p14:creationId xmlns:p14="http://schemas.microsoft.com/office/powerpoint/2010/main" val="3151949496"/>
+      </p:ext>
+    </p:extLst>
+  </p:cSld>
+  <p:clrMapOvr>
+    <a:masterClrMapping/>
+  </p:clrMapOvr>
+</p:sld>
+</file>
+
+<file path=ppt/slides/slide8.xml><?xml version="1.0" encoding="utf-8"?>
+<p:sld xmlns:a="http://schemas.openxmlformats.org/drawingml/2006/main" xmlns:r="http://schemas.openxmlformats.org/officeDocument/2006/relationships" xmlns:p="http://schemas.openxmlformats.org/presentationml/2006/main">
+  <p:cSld>
+    <p:spTree>
+      <p:nvGrpSpPr>
+        <p:cNvPr id="1" name=""/>
+        <p:cNvGrpSpPr/>
+        <p:nvPr/>
+      </p:nvGrpSpPr>
+      <p:grpSpPr>
+        <a:xfrm>
+          <a:off x="0" y="0"/>
+          <a:ext cx="0" cy="0"/>
+          <a:chOff x="0" y="0"/>
+          <a:chExt cx="0" cy="0"/>
+        </a:xfrm>
+      </p:grpSpPr>
+      <p:sp>
+        <p:nvSpPr>
+          <p:cNvPr id="2" name="Title 1">
+            <a:extLst>
+              <a:ext uri="{FF2B5EF4-FFF2-40B4-BE49-F238E27FC236}">
+                <a16:creationId xmlns:a16="http://schemas.microsoft.com/office/drawing/2014/main" id="{ECA2EA4D-D321-4E5D-B694-3396A1108E5E}"/>
+              </a:ext>
+            </a:extLst>
+          </p:cNvPr>
+          <p:cNvSpPr>
+            <a:spLocks noGrp="1"/>
+          </p:cNvSpPr>
+          <p:nvPr>
+            <p:ph type="title"/>
+          </p:nvPr>
+        </p:nvSpPr>
+        <p:spPr>
+          <a:xfrm>
+            <a:off x="774441" y="764373"/>
+            <a:ext cx="10731759" cy="1293028"/>
+          </a:xfrm>
+        </p:spPr>
+        <p:txBody>
+          <a:bodyPr/>
+          <a:lstStyle/>
+          <a:p>
+            <a:r>
+              <a:rPr lang="en-US" dirty="0"/>
+              <a:t>Machine Learning – Model Prediction</a:t>
+            </a:r>
+          </a:p>
+        </p:txBody>
+      </p:sp>
+      <p:pic>
+        <p:nvPicPr>
+          <p:cNvPr id="5" name="Picture 4" descr="A screenshot of a cell phone&#10;&#10;Description automatically generated">
+            <a:extLst>
+              <a:ext uri="{FF2B5EF4-FFF2-40B4-BE49-F238E27FC236}">
+                <a16:creationId xmlns:a16="http://schemas.microsoft.com/office/drawing/2014/main" id="{49936DE3-71D6-46ED-8ECC-12109E03F78B}"/>
+              </a:ext>
+            </a:extLst>
+          </p:cNvPr>
+          <p:cNvPicPr>
+            <a:picLocks noChangeAspect="1"/>
+          </p:cNvPicPr>
+          <p:nvPr/>
+        </p:nvPicPr>
+        <p:blipFill>
+          <a:blip r:embed="rId2">
+            <a:extLst>
+              <a:ext uri="{28A0092B-C50C-407E-A947-70E740481C1C}">
+                <a14:useLocalDpi xmlns:a14="http://schemas.microsoft.com/office/drawing/2010/main" val="0"/>
+              </a:ext>
+            </a:extLst>
+          </a:blip>
+          <a:stretch>
+            <a:fillRect/>
+          </a:stretch>
+        </p:blipFill>
+        <p:spPr>
+          <a:xfrm>
+            <a:off x="1470565" y="1780635"/>
+            <a:ext cx="8641187" cy="4853429"/>
+          </a:xfrm>
+          <a:prstGeom prst="rect">
+            <a:avLst/>
+          </a:prstGeom>
+        </p:spPr>
+      </p:pic>
+    </p:spTree>
+    <p:extLst>
+      <p:ext uri="{BB962C8B-B14F-4D97-AF65-F5344CB8AC3E}">
+        <p14:creationId xmlns:p14="http://schemas.microsoft.com/office/powerpoint/2010/main" val="3769846257"/>
+      </p:ext>
+    </p:extLst>
+  </p:cSld>
+  <p:clrMapOvr>
+    <a:masterClrMapping/>
+  </p:clrMapOvr>
+</p:sld>
+</file>
+
+<file path=ppt/slides/slide9.xml><?xml version="1.0" encoding="utf-8"?>
+<p:sld xmlns:a="http://schemas.openxmlformats.org/drawingml/2006/main" xmlns:r="http://schemas.openxmlformats.org/officeDocument/2006/relationships" xmlns:p="http://schemas.openxmlformats.org/presentationml/2006/main">
+  <p:cSld>
+    <p:bg>
+      <p:bgPr>
+        <a:solidFill>
+          <a:schemeClr val="bg1"/>
+        </a:solidFill>
+        <a:effectLst/>
+      </p:bgPr>
+    </p:bg>
+    <p:spTree>
+      <p:nvGrpSpPr>
+        <p:cNvPr id="1" name=""/>
+        <p:cNvGrpSpPr/>
+        <p:nvPr/>
+      </p:nvGrpSpPr>
+      <p:grpSpPr>
+        <a:xfrm>
+          <a:off x="0" y="0"/>
+          <a:ext cx="0" cy="0"/>
+          <a:chOff x="0" y="0"/>
+          <a:chExt cx="0" cy="0"/>
+        </a:xfrm>
+      </p:grpSpPr>
+      <p:pic>
+        <p:nvPicPr>
+          <p:cNvPr id="9" name="Picture 8">
+            <a:extLst>
+              <a:ext uri="{FF2B5EF4-FFF2-40B4-BE49-F238E27FC236}">
+                <a16:creationId xmlns:a16="http://schemas.microsoft.com/office/drawing/2014/main" id="{BDFADFB3-3D44-49A8-AE3B-A87C61607F7E}"/>
+              </a:ext>
+              <a:ext uri="{C183D7F6-B498-43B3-948B-1728B52AA6E4}">
+                <adec:decorative xmlns:adec="http://schemas.microsoft.com/office/drawing/2017/decorative" val="1"/>
+              </a:ext>
+            </a:extLst>
+          </p:cNvPr>
+          <p:cNvPicPr>
+            <a:picLocks noGrp="1" noRot="1" noChangeAspect="1" noMove="1" noResize="1" noEditPoints="1" noAdjustHandles="1" noChangeArrowheads="1" noChangeShapeType="1" noCrop="1"/>
+          </p:cNvPicPr>
+          <p:nvPr>
+            <p:extLst>
+              <p:ext uri="{386F3935-93C4-4BCD-93E2-E3B085C9AB24}">
+                <p16:designElem xmlns:p16="http://schemas.microsoft.com/office/powerpoint/2015/main" val="1"/>
+              </p:ext>
+            </p:extLst>
+          </p:nvPr>
+        </p:nvPicPr>
+        <p:blipFill>
+          <a:blip r:embed="rId2">
+            <a:extLst>
+              <a:ext uri="{28A0092B-C50C-407E-A947-70E740481C1C}">
+                <a14:useLocalDpi xmlns:a14="http://schemas.microsoft.com/office/drawing/2010/main" val="0"/>
+              </a:ext>
+            </a:extLst>
+          </a:blip>
+          <a:stretch>
+            <a:fillRect/>
+          </a:stretch>
+        </p:blipFill>
+        <p:spPr>
+          <a:xfrm>
+            <a:off x="0" y="0"/>
+            <a:ext cx="12192000" cy="1441450"/>
+          </a:xfrm>
+          <a:prstGeom prst="rect">
+            <a:avLst/>
+          </a:prstGeom>
+        </p:spPr>
+      </p:pic>
+      <p:pic>
+        <p:nvPicPr>
+          <p:cNvPr id="11" name="Picture 10">
+            <a:extLst>
+              <a:ext uri="{FF2B5EF4-FFF2-40B4-BE49-F238E27FC236}">
+                <a16:creationId xmlns:a16="http://schemas.microsoft.com/office/drawing/2014/main" id="{BB912AE0-CAD9-4F8F-A2A2-BDF07D4EDD22}"/>
+              </a:ext>
+              <a:ext uri="{C183D7F6-B498-43B3-948B-1728B52AA6E4}">
+                <adec:decorative xmlns:adec="http://schemas.microsoft.com/office/drawing/2017/decorative" val="1"/>
+              </a:ext>
+            </a:extLst>
+          </p:cNvPr>
+          <p:cNvPicPr>
+            <a:picLocks noGrp="1" noRot="1" noChangeAspect="1" noMove="1" noResize="1" noEditPoints="1" noAdjustHandles="1" noChangeArrowheads="1" noChangeShapeType="1" noCrop="1"/>
+          </p:cNvPicPr>
+          <p:nvPr>
+            <p:extLst>
+              <p:ext uri="{386F3935-93C4-4BCD-93E2-E3B085C9AB24}">
+                <p16:designElem xmlns:p16="http://schemas.microsoft.com/office/powerpoint/2015/main" val="1"/>
+              </p:ext>
+            </p:extLst>
+          </p:nvPr>
+        </p:nvPicPr>
+        <p:blipFill>
+          <a:blip r:embed="rId3">
+            <a:extLst>
+              <a:ext uri="{28A0092B-C50C-407E-A947-70E740481C1C}">
+                <a14:useLocalDpi xmlns:a14="http://schemas.microsoft.com/office/drawing/2010/main" val="0"/>
+              </a:ext>
+            </a:extLst>
+          </a:blip>
+          <a:stretch>
+            <a:fillRect/>
+          </a:stretch>
+        </p:blipFill>
+        <p:spPr>
+          <a:xfrm>
+            <a:off x="0" y="4375150"/>
+            <a:ext cx="12192000" cy="2482850"/>
+          </a:xfrm>
+          <a:prstGeom prst="rect">
+            <a:avLst/>
+          </a:prstGeom>
+        </p:spPr>
+      </p:pic>
+      <p:sp useBgFill="1">
+        <p:nvSpPr>
+          <p:cNvPr id="13" name="Rectangle 12">
+            <a:extLst>
+              <a:ext uri="{FF2B5EF4-FFF2-40B4-BE49-F238E27FC236}">
+                <a16:creationId xmlns:a16="http://schemas.microsoft.com/office/drawing/2014/main" id="{BD7C2DEF-63C5-495B-BBE5-720E5D12B4D2}"/>
+              </a:ext>
+              <a:ext uri="{C183D7F6-B498-43B3-948B-1728B52AA6E4}">
+                <adec:decorative xmlns:adec="http://schemas.microsoft.com/office/drawing/2017/decorative" val="1"/>
+              </a:ext>
+            </a:extLst>
+          </p:cNvPr>
+          <p:cNvSpPr>
+            <a:spLocks noGrp="1" noRot="1" noChangeAspect="1" noMove="1" noResize="1" noEditPoints="1" noAdjustHandles="1" noChangeArrowheads="1" noChangeShapeType="1" noTextEdit="1"/>
+          </p:cNvSpPr>
+          <p:nvPr>
+            <p:extLst>
+              <p:ext uri="{386F3935-93C4-4BCD-93E2-E3B085C9AB24}">
+                <p16:designElem xmlns:p16="http://schemas.microsoft.com/office/powerpoint/2015/main" val="1"/>
+              </p:ext>
+            </p:extLst>
+          </p:nvPr>
+        </p:nvSpPr>
+        <p:spPr>
+          <a:xfrm>
+            <a:off x="0" y="0"/>
+            <a:ext cx="12192000" cy="6858000"/>
+          </a:xfrm>
+          <a:prstGeom prst="rect">
+            <a:avLst/>
+          </a:prstGeom>
+          <a:ln>
+            <a:noFill/>
+          </a:ln>
+        </p:spPr>
+        <p:style>
+          <a:lnRef idx="2">
+            <a:schemeClr val="accent1">
+              <a:shade val="50000"/>
+            </a:schemeClr>
+          </a:lnRef>
+          <a:fillRef idx="1">
+            <a:schemeClr val="accent1"/>
+          </a:fillRef>
+          <a:effectRef idx="0">
+            <a:schemeClr val="accent1"/>
+          </a:effectRef>
+          <a:fontRef idx="minor">
+            <a:schemeClr val="lt1"/>
+          </a:fontRef>
+        </p:style>
+        <p:txBody>
+          <a:bodyPr rtlCol="0" anchor="ctr"/>
+          <a:lstStyle/>
+          <a:p>
+            <a:pPr algn="ctr"/>
+            <a:endParaRPr lang="en-US"/>
+          </a:p>
+        </p:txBody>
+      </p:sp>
+      <p:pic>
+        <p:nvPicPr>
+          <p:cNvPr id="15" name="Picture 14">
+            <a:extLst>
+              <a:ext uri="{FF2B5EF4-FFF2-40B4-BE49-F238E27FC236}">
+                <a16:creationId xmlns:a16="http://schemas.microsoft.com/office/drawing/2014/main" id="{FE21E403-0B61-4473-BE57-AB0F16379674}"/>
+              </a:ext>
+              <a:ext uri="{C183D7F6-B498-43B3-948B-1728B52AA6E4}">
+                <adec:decorative xmlns:adec="http://schemas.microsoft.com/office/drawing/2017/decorative" val="1"/>
+              </a:ext>
+            </a:extLst>
+          </p:cNvPr>
+          <p:cNvPicPr>
+            <a:picLocks noGrp="1" noRot="1" noChangeAspect="1" noMove="1" noResize="1" noEditPoints="1" noAdjustHandles="1" noChangeArrowheads="1" noChangeShapeType="1" noCrop="1"/>
+          </p:cNvPicPr>
+          <p:nvPr>
+            <p:extLst>
+              <p:ext uri="{386F3935-93C4-4BCD-93E2-E3B085C9AB24}">
+                <p16:designElem xmlns:p16="http://schemas.microsoft.com/office/powerpoint/2015/main" val="1"/>
+              </p:ext>
+            </p:extLst>
+          </p:nvPr>
+        </p:nvPicPr>
+        <p:blipFill>
+          <a:blip r:embed="rId2">
+            <a:extLst>
+              <a:ext uri="{28A0092B-C50C-407E-A947-70E740481C1C}">
+                <a14:useLocalDpi xmlns:a14="http://schemas.microsoft.com/office/drawing/2010/main" val="0"/>
+              </a:ext>
+            </a:extLst>
+          </a:blip>
+          <a:stretch>
+            <a:fillRect/>
+          </a:stretch>
+        </p:blipFill>
+        <p:spPr>
+          <a:xfrm>
+            <a:off x="0" y="0"/>
+            <a:ext cx="12192000" cy="1441450"/>
+          </a:xfrm>
+          <a:prstGeom prst="rect">
+            <a:avLst/>
+          </a:prstGeom>
+        </p:spPr>
+      </p:pic>
+      <p:sp>
+        <p:nvSpPr>
+          <p:cNvPr id="2" name="Title 1">
+            <a:extLst>
+              <a:ext uri="{FF2B5EF4-FFF2-40B4-BE49-F238E27FC236}">
+                <a16:creationId xmlns:a16="http://schemas.microsoft.com/office/drawing/2014/main" id="{ECA2EA4D-D321-4E5D-B694-3396A1108E5E}"/>
+              </a:ext>
+            </a:extLst>
+          </p:cNvPr>
+          <p:cNvSpPr>
+            <a:spLocks noGrp="1"/>
+          </p:cNvSpPr>
+          <p:nvPr>
+            <p:ph type="title"/>
+          </p:nvPr>
+        </p:nvSpPr>
+        <p:spPr>
+          <a:xfrm>
+            <a:off x="636696" y="643464"/>
+            <a:ext cx="3761964" cy="3273061"/>
+          </a:xfrm>
+          <a:noFill/>
+          <a:ln w="19050">
+            <a:noFill/>
+            <a:prstDash val="dash"/>
+          </a:ln>
+        </p:spPr>
+        <p:txBody>
+          <a:bodyPr vert="horz" lIns="91440" tIns="45720" rIns="91440" bIns="45720" rtlCol="0" anchor="b">
+            <a:normAutofit/>
+          </a:bodyPr>
+          <a:lstStyle/>
+          <a:p>
+            <a:r>
+              <a:rPr lang="en-US" sz="4800"/>
+              <a:t>Machine Learning – Model Prediction</a:t>
+            </a:r>
+          </a:p>
+        </p:txBody>
+      </p:sp>
+      <p:pic>
+        <p:nvPicPr>
           <p:cNvPr id="4" name="Picture 3" descr="A close up of a piece of paper&#10;&#10;Description automatically generated">
             <a:extLst>
               <a:ext uri="{FF2B5EF4-FFF2-40B4-BE49-F238E27FC236}">
@@ -7600,202 +7796,6 @@
     <p:extLst>
       <p:ext uri="{BB962C8B-B14F-4D97-AF65-F5344CB8AC3E}">
         <p14:creationId xmlns:p14="http://schemas.microsoft.com/office/powerpoint/2010/main" val="1928217532"/>
-      </p:ext>
-    </p:extLst>
-  </p:cSld>
-  <p:clrMapOvr>
-    <a:masterClrMapping/>
-  </p:clrMapOvr>
-</p:sld>
-</file>
-
-<file path=ppt/slides/slide9.xml><?xml version="1.0" encoding="utf-8"?>
-<p:sld xmlns:a="http://schemas.openxmlformats.org/drawingml/2006/main" xmlns:r="http://schemas.openxmlformats.org/officeDocument/2006/relationships" xmlns:p="http://schemas.openxmlformats.org/presentationml/2006/main">
-  <p:cSld>
-    <p:spTree>
-      <p:nvGrpSpPr>
-        <p:cNvPr id="1" name=""/>
-        <p:cNvGrpSpPr/>
-        <p:nvPr/>
-      </p:nvGrpSpPr>
-      <p:grpSpPr>
-        <a:xfrm>
-          <a:off x="0" y="0"/>
-          <a:ext cx="0" cy="0"/>
-          <a:chOff x="0" y="0"/>
-          <a:chExt cx="0" cy="0"/>
-        </a:xfrm>
-      </p:grpSpPr>
-      <p:sp>
-        <p:nvSpPr>
-          <p:cNvPr id="2" name="Title 1">
-            <a:extLst>
-              <a:ext uri="{FF2B5EF4-FFF2-40B4-BE49-F238E27FC236}">
-                <a16:creationId xmlns:a16="http://schemas.microsoft.com/office/drawing/2014/main" id="{C2ECB804-C1B3-4092-AF01-03ABD749D2E5}"/>
-              </a:ext>
-            </a:extLst>
-          </p:cNvPr>
-          <p:cNvSpPr>
-            <a:spLocks noGrp="1"/>
-          </p:cNvSpPr>
-          <p:nvPr>
-            <p:ph type="title"/>
-          </p:nvPr>
-        </p:nvSpPr>
-        <p:spPr/>
-        <p:txBody>
-          <a:bodyPr/>
-          <a:lstStyle/>
-          <a:p>
-            <a:r>
-              <a:rPr lang="en-US" dirty="0"/>
-              <a:t>Data Preparation</a:t>
-            </a:r>
-          </a:p>
-        </p:txBody>
-      </p:sp>
-      <p:sp>
-        <p:nvSpPr>
-          <p:cNvPr id="3" name="Content Placeholder 2">
-            <a:extLst>
-              <a:ext uri="{FF2B5EF4-FFF2-40B4-BE49-F238E27FC236}">
-                <a16:creationId xmlns:a16="http://schemas.microsoft.com/office/drawing/2014/main" id="{5BAF54DC-3677-4C6E-95F3-748B0B2F85D4}"/>
-              </a:ext>
-            </a:extLst>
-          </p:cNvPr>
-          <p:cNvSpPr>
-            <a:spLocks noGrp="1"/>
-          </p:cNvSpPr>
-          <p:nvPr>
-            <p:ph idx="1"/>
-          </p:nvPr>
-        </p:nvSpPr>
-        <p:spPr/>
-        <p:txBody>
-          <a:bodyPr>
-            <a:normAutofit fontScale="25000" lnSpcReduction="20000"/>
-          </a:bodyPr>
-          <a:lstStyle/>
-          <a:p>
-            <a:pPr>
-              <a:lnSpc>
-                <a:spcPct val="110000"/>
-              </a:lnSpc>
-            </a:pPr>
-            <a:r>
-              <a:rPr lang="en-US" altLang="en-US" sz="6400" dirty="0"/>
-              <a:t>Remove Columns with Many Missing Values</a:t>
-            </a:r>
-          </a:p>
-          <a:p>
-            <a:pPr>
-              <a:lnSpc>
-                <a:spcPct val="110000"/>
-              </a:lnSpc>
-            </a:pPr>
-            <a:r>
-              <a:rPr lang="en-US" altLang="en-US" sz="6400" dirty="0"/>
-              <a:t>Correlation between Features and Target</a:t>
-            </a:r>
-          </a:p>
-          <a:p>
-            <a:pPr>
-              <a:lnSpc>
-                <a:spcPct val="110000"/>
-              </a:lnSpc>
-            </a:pPr>
-            <a:r>
-              <a:rPr lang="en-US" altLang="en-US" sz="6400" dirty="0"/>
-              <a:t>To account for possible non-linear relationships, I now take the square root and natural log transformations of the features and then calculate the correlation coefficients with the 2019 price performance and Remove Collinear Features # Remove the collinear features above a specified correlation coefficient</a:t>
-            </a:r>
-            <a:br>
-              <a:rPr lang="en-US" altLang="en-US" sz="6400" dirty="0"/>
-            </a:br>
-            <a:r>
-              <a:rPr lang="en-US" altLang="en-US" sz="6400" dirty="0"/>
-              <a:t>df_3 = remove_collinear_features(df_2, 0.6)</a:t>
-            </a:r>
-          </a:p>
-          <a:p>
-            <a:pPr>
-              <a:lnSpc>
-                <a:spcPct val="110000"/>
-              </a:lnSpc>
-            </a:pPr>
-            <a:r>
-              <a:rPr lang="en-US" altLang="en-US" sz="6400" dirty="0"/>
-              <a:t>Separate out the features x and targets y</a:t>
-            </a:r>
-          </a:p>
-          <a:p>
-            <a:pPr>
-              <a:lnSpc>
-                <a:spcPct val="110000"/>
-              </a:lnSpc>
-            </a:pPr>
-            <a:r>
-              <a:rPr lang="en-US" altLang="en-US" sz="6400" dirty="0"/>
-              <a:t>imputer = </a:t>
-            </a:r>
-            <a:r>
-              <a:rPr lang="en-US" altLang="en-US" sz="6400" dirty="0" err="1"/>
-              <a:t>SimpleImputer</a:t>
-            </a:r>
-            <a:r>
-              <a:rPr lang="en-US" altLang="en-US" sz="6400" dirty="0"/>
-              <a:t>(strategy='median’)</a:t>
-            </a:r>
-          </a:p>
-          <a:p>
-            <a:pPr>
-              <a:lnSpc>
-                <a:spcPct val="110000"/>
-              </a:lnSpc>
-            </a:pPr>
-            <a:r>
-              <a:rPr lang="en-US" altLang="en-US" sz="6400" dirty="0"/>
-              <a:t>Split into Train and test</a:t>
-            </a:r>
-          </a:p>
-          <a:p>
-            <a:pPr>
-              <a:lnSpc>
-                <a:spcPct val="110000"/>
-              </a:lnSpc>
-            </a:pPr>
-            <a:r>
-              <a:rPr lang="en-US" altLang="en-US" sz="6400" dirty="0"/>
-              <a:t>Scaled it using </a:t>
-            </a:r>
-            <a:r>
-              <a:rPr lang="en-US" altLang="en-US" sz="6400" dirty="0" err="1"/>
-              <a:t>MinMax</a:t>
-            </a:r>
-            <a:r>
-              <a:rPr lang="en-US" altLang="en-US" sz="6400" dirty="0"/>
-              <a:t> Scaler.</a:t>
-            </a:r>
-          </a:p>
-          <a:p>
-            <a:pPr>
-              <a:lnSpc>
-                <a:spcPct val="110000"/>
-              </a:lnSpc>
-            </a:pPr>
-            <a:r>
-              <a:rPr lang="en-US" altLang="en-US" sz="6400" dirty="0"/>
-              <a:t>Fit the model</a:t>
-            </a:r>
-          </a:p>
-          <a:p>
-            <a:endParaRPr lang="en-US" dirty="0"/>
-          </a:p>
-        </p:txBody>
-      </p:sp>
-    </p:spTree>
-    <p:extLst>
-      <p:ext uri="{BB962C8B-B14F-4D97-AF65-F5344CB8AC3E}">
-        <p14:creationId xmlns:p14="http://schemas.microsoft.com/office/powerpoint/2010/main" val="2435572908"/>
       </p:ext>
     </p:extLst>
   </p:cSld>

--- a/Issac_work/Stocks_Project.pptx
+++ b/Issac_work/Stocks_Project.pptx
@@ -15,7 +15,6 @@
     <p:sldId id="259" r:id="rId9"/>
     <p:sldId id="269" r:id="rId10"/>
     <p:sldId id="258" r:id="rId11"/>
-    <p:sldId id="260" r:id="rId12"/>
   </p:sldIdLst>
   <p:sldSz cx="12192000" cy="6858000"/>
   <p:notesSz cx="6858000" cy="9144000"/>
@@ -292,7 +291,7 @@
           <a:p>
             <a:fld id="{50C1D76F-8AC9-451A-8D3C-B3A5BABA63E6}" type="datetimeFigureOut">
               <a:rPr lang="en-US" smtClean="0"/>
-              <a:t>2/19/2020</a:t>
+              <a:t>2/22/2020</a:t>
             </a:fld>
             <a:endParaRPr lang="en-US"/>
           </a:p>
@@ -559,7 +558,7 @@
           <a:p>
             <a:fld id="{50C1D76F-8AC9-451A-8D3C-B3A5BABA63E6}" type="datetimeFigureOut">
               <a:rPr lang="en-US" smtClean="0"/>
-              <a:t>2/19/2020</a:t>
+              <a:t>2/22/2020</a:t>
             </a:fld>
             <a:endParaRPr lang="en-US"/>
           </a:p>
@@ -790,7 +789,7 @@
           <a:p>
             <a:fld id="{50C1D76F-8AC9-451A-8D3C-B3A5BABA63E6}" type="datetimeFigureOut">
               <a:rPr lang="en-US" smtClean="0"/>
-              <a:t>2/19/2020</a:t>
+              <a:t>2/22/2020</a:t>
             </a:fld>
             <a:endParaRPr lang="en-US"/>
           </a:p>
@@ -1100,7 +1099,7 @@
           <a:p>
             <a:fld id="{50C1D76F-8AC9-451A-8D3C-B3A5BABA63E6}" type="datetimeFigureOut">
               <a:rPr lang="en-US" smtClean="0"/>
-              <a:t>2/19/2020</a:t>
+              <a:t>2/22/2020</a:t>
             </a:fld>
             <a:endParaRPr lang="en-US"/>
           </a:p>
@@ -1573,7 +1572,7 @@
           <a:p>
             <a:fld id="{50C1D76F-8AC9-451A-8D3C-B3A5BABA63E6}" type="datetimeFigureOut">
               <a:rPr lang="en-US" smtClean="0"/>
-              <a:t>2/19/2020</a:t>
+              <a:t>2/22/2020</a:t>
             </a:fld>
             <a:endParaRPr lang="en-US"/>
           </a:p>
@@ -2120,7 +2119,7 @@
           <a:p>
             <a:fld id="{50C1D76F-8AC9-451A-8D3C-B3A5BABA63E6}" type="datetimeFigureOut">
               <a:rPr lang="en-US" smtClean="0"/>
-              <a:t>2/19/2020</a:t>
+              <a:t>2/22/2020</a:t>
             </a:fld>
             <a:endParaRPr lang="en-US"/>
           </a:p>
@@ -2894,7 +2893,7 @@
           <a:p>
             <a:fld id="{50C1D76F-8AC9-451A-8D3C-B3A5BABA63E6}" type="datetimeFigureOut">
               <a:rPr lang="en-US" smtClean="0"/>
-              <a:t>2/19/2020</a:t>
+              <a:t>2/22/2020</a:t>
             </a:fld>
             <a:endParaRPr lang="en-US"/>
           </a:p>
@@ -3069,7 +3068,7 @@
           <a:p>
             <a:fld id="{50C1D76F-8AC9-451A-8D3C-B3A5BABA63E6}" type="datetimeFigureOut">
               <a:rPr lang="en-US" smtClean="0"/>
-              <a:t>2/19/2020</a:t>
+              <a:t>2/22/2020</a:t>
             </a:fld>
             <a:endParaRPr lang="en-US"/>
           </a:p>
@@ -3292,7 +3291,7 @@
           <a:p>
             <a:fld id="{50C1D76F-8AC9-451A-8D3C-B3A5BABA63E6}" type="datetimeFigureOut">
               <a:rPr lang="en-US" smtClean="0"/>
-              <a:t>2/19/2020</a:t>
+              <a:t>2/22/2020</a:t>
             </a:fld>
             <a:endParaRPr lang="en-US"/>
           </a:p>
@@ -3472,7 +3471,7 @@
           <a:p>
             <a:fld id="{50C1D76F-8AC9-451A-8D3C-B3A5BABA63E6}" type="datetimeFigureOut">
               <a:rPr lang="en-US" smtClean="0"/>
-              <a:t>2/19/2020</a:t>
+              <a:t>2/22/2020</a:t>
             </a:fld>
             <a:endParaRPr lang="en-US"/>
           </a:p>
@@ -3761,7 +3760,7 @@
           <a:p>
             <a:fld id="{50C1D76F-8AC9-451A-8D3C-B3A5BABA63E6}" type="datetimeFigureOut">
               <a:rPr lang="en-US" smtClean="0"/>
-              <a:t>2/19/2020</a:t>
+              <a:t>2/22/2020</a:t>
             </a:fld>
             <a:endParaRPr lang="en-US"/>
           </a:p>
@@ -4003,7 +4002,7 @@
           <a:p>
             <a:fld id="{50C1D76F-8AC9-451A-8D3C-B3A5BABA63E6}" type="datetimeFigureOut">
               <a:rPr lang="en-US" smtClean="0"/>
-              <a:t>2/19/2020</a:t>
+              <a:t>2/22/2020</a:t>
             </a:fld>
             <a:endParaRPr lang="en-US"/>
           </a:p>
@@ -4382,7 +4381,7 @@
           <a:p>
             <a:fld id="{50C1D76F-8AC9-451A-8D3C-B3A5BABA63E6}" type="datetimeFigureOut">
               <a:rPr lang="en-US" smtClean="0"/>
-              <a:t>2/19/2020</a:t>
+              <a:t>2/22/2020</a:t>
             </a:fld>
             <a:endParaRPr lang="en-US"/>
           </a:p>
@@ -4500,7 +4499,7 @@
           <a:p>
             <a:fld id="{50C1D76F-8AC9-451A-8D3C-B3A5BABA63E6}" type="datetimeFigureOut">
               <a:rPr lang="en-US" smtClean="0"/>
-              <a:t>2/19/2020</a:t>
+              <a:t>2/22/2020</a:t>
             </a:fld>
             <a:endParaRPr lang="en-US"/>
           </a:p>
@@ -4595,7 +4594,7 @@
           <a:p>
             <a:fld id="{50C1D76F-8AC9-451A-8D3C-B3A5BABA63E6}" type="datetimeFigureOut">
               <a:rPr lang="en-US" smtClean="0"/>
-              <a:t>2/19/2020</a:t>
+              <a:t>2/22/2020</a:t>
             </a:fld>
             <a:endParaRPr lang="en-US"/>
           </a:p>
@@ -4844,7 +4843,7 @@
           <a:p>
             <a:fld id="{50C1D76F-8AC9-451A-8D3C-B3A5BABA63E6}" type="datetimeFigureOut">
               <a:rPr lang="en-US" smtClean="0"/>
-              <a:t>2/19/2020</a:t>
+              <a:t>2/22/2020</a:t>
             </a:fld>
             <a:endParaRPr lang="en-US"/>
           </a:p>
@@ -5101,7 +5100,7 @@
           <a:p>
             <a:fld id="{50C1D76F-8AC9-451A-8D3C-B3A5BABA63E6}" type="datetimeFigureOut">
               <a:rPr lang="en-US" smtClean="0"/>
-              <a:t>2/19/2020</a:t>
+              <a:t>2/22/2020</a:t>
             </a:fld>
             <a:endParaRPr lang="en-US"/>
           </a:p>
@@ -5344,7 +5343,7 @@
           <a:p>
             <a:fld id="{50C1D76F-8AC9-451A-8D3C-B3A5BABA63E6}" type="datetimeFigureOut">
               <a:rPr lang="en-US" smtClean="0"/>
-              <a:t>2/19/2020</a:t>
+              <a:t>2/22/2020</a:t>
             </a:fld>
             <a:endParaRPr lang="en-US"/>
           </a:p>
@@ -5988,8 +5987,20 @@
           <a:p>
             <a:r>
               <a:rPr lang="en-US" dirty="0"/>
-              <a:t>Despite gathering the data from past performances, this does not guarantee our future results.</a:t>
-            </a:r>
+              <a:t>Despite gathering the data from past performances, this does not guarantee our future investment results.</a:t>
+            </a:r>
+          </a:p>
+          <a:p>
+            <a:endParaRPr lang="en-US" dirty="0"/>
+          </a:p>
+          <a:p>
+            <a:r>
+              <a:rPr lang="en-US" dirty="0"/>
+              <a:t>https://stockpickflask.herokuapp.com/</a:t>
+            </a:r>
+          </a:p>
+          <a:p>
+            <a:endParaRPr lang="en-US" dirty="0"/>
           </a:p>
         </p:txBody>
       </p:sp>
@@ -6033,92 +6044,6 @@
     <p:extLst>
       <p:ext uri="{BB962C8B-B14F-4D97-AF65-F5344CB8AC3E}">
         <p14:creationId xmlns:p14="http://schemas.microsoft.com/office/powerpoint/2010/main" val="3462468042"/>
-      </p:ext>
-    </p:extLst>
-  </p:cSld>
-  <p:clrMapOvr>
-    <a:masterClrMapping/>
-  </p:clrMapOvr>
-</p:sld>
-</file>
-
-<file path=ppt/slides/slide11.xml><?xml version="1.0" encoding="utf-8"?>
-<p:sld xmlns:a="http://schemas.openxmlformats.org/drawingml/2006/main" xmlns:r="http://schemas.openxmlformats.org/officeDocument/2006/relationships" xmlns:p="http://schemas.openxmlformats.org/presentationml/2006/main">
-  <p:cSld>
-    <p:spTree>
-      <p:nvGrpSpPr>
-        <p:cNvPr id="1" name=""/>
-        <p:cNvGrpSpPr/>
-        <p:nvPr/>
-      </p:nvGrpSpPr>
-      <p:grpSpPr>
-        <a:xfrm>
-          <a:off x="0" y="0"/>
-          <a:ext cx="0" cy="0"/>
-          <a:chOff x="0" y="0"/>
-          <a:chExt cx="0" cy="0"/>
-        </a:xfrm>
-      </p:grpSpPr>
-      <p:sp>
-        <p:nvSpPr>
-          <p:cNvPr id="2" name="Title 1">
-            <a:extLst>
-              <a:ext uri="{FF2B5EF4-FFF2-40B4-BE49-F238E27FC236}">
-                <a16:creationId xmlns:a16="http://schemas.microsoft.com/office/drawing/2014/main" id="{AFEFE5AC-8C49-48B9-B539-66FC1880C972}"/>
-              </a:ext>
-            </a:extLst>
-          </p:cNvPr>
-          <p:cNvSpPr>
-            <a:spLocks noGrp="1"/>
-          </p:cNvSpPr>
-          <p:nvPr>
-            <p:ph type="title"/>
-          </p:nvPr>
-        </p:nvSpPr>
-        <p:spPr/>
-        <p:txBody>
-          <a:bodyPr/>
-          <a:lstStyle/>
-          <a:p>
-            <a:r>
-              <a:rPr lang="en-US" dirty="0"/>
-              <a:t>Image Courtesy</a:t>
-            </a:r>
-          </a:p>
-        </p:txBody>
-      </p:sp>
-      <p:sp>
-        <p:nvSpPr>
-          <p:cNvPr id="3" name="Content Placeholder 2">
-            <a:extLst>
-              <a:ext uri="{FF2B5EF4-FFF2-40B4-BE49-F238E27FC236}">
-                <a16:creationId xmlns:a16="http://schemas.microsoft.com/office/drawing/2014/main" id="{44616DDB-AE8A-4379-A1F2-26CD4E60DE6B}"/>
-              </a:ext>
-            </a:extLst>
-          </p:cNvPr>
-          <p:cNvSpPr>
-            <a:spLocks noGrp="1"/>
-          </p:cNvSpPr>
-          <p:nvPr>
-            <p:ph idx="1"/>
-          </p:nvPr>
-        </p:nvSpPr>
-        <p:spPr/>
-        <p:txBody>
-          <a:bodyPr/>
-          <a:lstStyle/>
-          <a:p>
-            <a:r>
-              <a:rPr lang="en-US" dirty="0"/>
-              <a:t>Cartoonstock.com</a:t>
-            </a:r>
-          </a:p>
-        </p:txBody>
-      </p:sp>
-    </p:spTree>
-    <p:extLst>
-      <p:ext uri="{BB962C8B-B14F-4D97-AF65-F5344CB8AC3E}">
-        <p14:creationId xmlns:p14="http://schemas.microsoft.com/office/powerpoint/2010/main" val="2530785982"/>
       </p:ext>
     </p:extLst>
   </p:cSld>
@@ -6739,23 +6664,7 @@
             </a:r>
             <a:r>
               <a:rPr lang="en-US" altLang="en-US" sz="4000" dirty="0"/>
-              <a:t> and we added a column called "Reporting Year" and all rows for this new column </a:t>
-            </a:r>
-            <a:r>
-              <a:rPr lang="en-US" altLang="en-US" sz="4000" dirty="0" err="1"/>
-              <a:t>recieved</a:t>
-            </a:r>
-            <a:r>
-              <a:rPr lang="en-US" altLang="en-US" sz="4000" dirty="0"/>
-              <a:t> value of the year in the filename. Also the stock/symbol column did not have a title so "Ticker" was inserted as a </a:t>
-            </a:r>
-            <a:r>
-              <a:rPr lang="en-US" altLang="en-US" sz="4000" dirty="0" err="1"/>
-              <a:t>coloumn</a:t>
-            </a:r>
-            <a:r>
-              <a:rPr lang="en-US" altLang="en-US" sz="4000" dirty="0"/>
-              <a:t> heading in each year that was read in during the loop functions of Kaggle_DataSet_10-K.md.</a:t>
+              <a:t> and we added a column called "Reporting Year" and all rows for this new column received value of the year in the filename. Also the stock/symbol column did not have a title so "Ticker" was inserted as a column heading in each year that was read in during the loop functions of Kaggle_DataSet_10-K.md.</a:t>
             </a:r>
           </a:p>
           <a:p>
@@ -7384,6 +7293,50 @@
           </a:prstGeom>
         </p:spPr>
       </p:pic>
+      <p:sp>
+        <p:nvSpPr>
+          <p:cNvPr id="3" name="TextBox 2">
+            <a:extLst>
+              <a:ext uri="{FF2B5EF4-FFF2-40B4-BE49-F238E27FC236}">
+                <a16:creationId xmlns:a16="http://schemas.microsoft.com/office/drawing/2014/main" id="{3B8C8EF6-D600-4A68-A997-10ED006D582C}"/>
+              </a:ext>
+            </a:extLst>
+          </p:cNvPr>
+          <p:cNvSpPr txBox="1"/>
+          <p:nvPr/>
+        </p:nvSpPr>
+        <p:spPr>
+          <a:xfrm>
+            <a:off x="485192" y="5449078"/>
+            <a:ext cx="3676261" cy="923330"/>
+          </a:xfrm>
+          <a:prstGeom prst="rect">
+            <a:avLst/>
+          </a:prstGeom>
+          <a:noFill/>
+        </p:spPr>
+        <p:txBody>
+          <a:bodyPr wrap="square" rtlCol="0">
+            <a:spAutoFit/>
+          </a:bodyPr>
+          <a:lstStyle/>
+          <a:p>
+            <a:r>
+              <a:rPr lang="en-US" dirty="0"/>
+              <a:t>Image Courtesy:</a:t>
+            </a:r>
+          </a:p>
+          <a:p>
+            <a:r>
+              <a:rPr lang="en-US" dirty="0"/>
+              <a:t>Cartoonstock.com</a:t>
+            </a:r>
+          </a:p>
+          <a:p>
+            <a:endParaRPr lang="en-US" dirty="0"/>
+          </a:p>
+        </p:txBody>
+      </p:sp>
     </p:spTree>
     <p:extLst>
       <p:ext uri="{BB962C8B-B14F-4D97-AF65-F5344CB8AC3E}">
